--- a/microservices.pptx
+++ b/microservices.pptx
@@ -28,7 +28,6 @@
     <p:sldId id="279" r:id="rId22"/>
     <p:sldId id="280" r:id="rId23"/>
     <p:sldId id="259" r:id="rId24"/>
-    <p:sldId id="258" r:id="rId25"/>
   </p:sldIdLst>
   <p:sldSz cx="12192000" cy="6858000"/>
   <p:notesSz cx="6858000" cy="9144000"/>
@@ -127,6 +126,11 @@
       </a:defRPr>
     </a:lvl9pPr>
   </p:defaultTextStyle>
+  <p:extLst>
+    <p:ext uri="{EFAFB233-063F-42B5-8137-9DF3F51BA10A}">
+      <p15:sldGuideLst xmlns:p15="http://schemas.microsoft.com/office/powerpoint/2012/main"/>
+    </p:ext>
+  </p:extLst>
 </p:presentation>
 </file>
 
@@ -853,7 +857,7 @@
             <a:fld id="{B61BEF0D-F0BB-DE4B-95CE-6DB70DBA9567}" type="datetimeFigureOut">
               <a:rPr lang="en-US" dirty="0"/>
               <a:pPr/>
-              <a:t>8/20/2020</a:t>
+              <a:t>8/27/2020</a:t>
             </a:fld>
             <a:endParaRPr lang="en-US" dirty="0"/>
           </a:p>
@@ -1101,7 +1105,7 @@
             <a:fld id="{B61BEF0D-F0BB-DE4B-95CE-6DB70DBA9567}" type="datetimeFigureOut">
               <a:rPr lang="en-US" dirty="0"/>
               <a:pPr/>
-              <a:t>8/20/2020</a:t>
+              <a:t>8/27/2020</a:t>
             </a:fld>
             <a:endParaRPr lang="en-US" dirty="0"/>
           </a:p>
@@ -1412,7 +1416,7 @@
             <a:fld id="{B61BEF0D-F0BB-DE4B-95CE-6DB70DBA9567}" type="datetimeFigureOut">
               <a:rPr lang="en-US" dirty="0"/>
               <a:pPr/>
-              <a:t>8/20/2020</a:t>
+              <a:t>8/27/2020</a:t>
             </a:fld>
             <a:endParaRPr lang="en-US" dirty="0"/>
           </a:p>
@@ -1750,7 +1754,7 @@
             <a:fld id="{B61BEF0D-F0BB-DE4B-95CE-6DB70DBA9567}" type="datetimeFigureOut">
               <a:rPr lang="en-US" dirty="0"/>
               <a:pPr/>
-              <a:t>8/20/2020</a:t>
+              <a:t>8/27/2020</a:t>
             </a:fld>
             <a:endParaRPr lang="en-US" dirty="0"/>
           </a:p>
@@ -2061,7 +2065,7 @@
             <a:fld id="{B61BEF0D-F0BB-DE4B-95CE-6DB70DBA9567}" type="datetimeFigureOut">
               <a:rPr lang="en-US" dirty="0"/>
               <a:pPr/>
-              <a:t>8/20/2020</a:t>
+              <a:t>8/27/2020</a:t>
             </a:fld>
             <a:endParaRPr lang="en-US" dirty="0"/>
           </a:p>
@@ -2451,7 +2455,7 @@
             <a:fld id="{B61BEF0D-F0BB-DE4B-95CE-6DB70DBA9567}" type="datetimeFigureOut">
               <a:rPr lang="en-US" dirty="0"/>
               <a:pPr/>
-              <a:t>8/20/2020</a:t>
+              <a:t>8/27/2020</a:t>
             </a:fld>
             <a:endParaRPr lang="en-US" dirty="0"/>
           </a:p>
@@ -2617,7 +2621,7 @@
           <a:p>
             <a:fld id="{55C6B4A9-1611-4792-9094-5F34BCA07E0B}" type="datetimeFigureOut">
               <a:rPr lang="en-US" dirty="0"/>
-              <a:t>8/20/2020</a:t>
+              <a:t>8/27/2020</a:t>
             </a:fld>
             <a:endParaRPr lang="en-US" dirty="0"/>
           </a:p>
@@ -2793,7 +2797,7 @@
             <a:fld id="{B61BEF0D-F0BB-DE4B-95CE-6DB70DBA9567}" type="datetimeFigureOut">
               <a:rPr lang="en-US" dirty="0"/>
               <a:pPr/>
-              <a:t>8/20/2020</a:t>
+              <a:t>8/27/2020</a:t>
             </a:fld>
             <a:endParaRPr lang="en-US" dirty="0"/>
           </a:p>
@@ -2966,7 +2970,7 @@
             <a:fld id="{B61BEF0D-F0BB-DE4B-95CE-6DB70DBA9567}" type="datetimeFigureOut">
               <a:rPr lang="en-US" dirty="0"/>
               <a:pPr/>
-              <a:t>8/20/2020</a:t>
+              <a:t>8/27/2020</a:t>
             </a:fld>
             <a:endParaRPr lang="en-US" dirty="0"/>
           </a:p>
@@ -3210,7 +3214,7 @@
             <a:fld id="{B61BEF0D-F0BB-DE4B-95CE-6DB70DBA9567}" type="datetimeFigureOut">
               <a:rPr lang="en-US" dirty="0"/>
               <a:pPr/>
-              <a:t>8/20/2020</a:t>
+              <a:t>8/27/2020</a:t>
             </a:fld>
             <a:endParaRPr lang="en-US" dirty="0"/>
           </a:p>
@@ -3438,7 +3442,7 @@
           <a:p>
             <a:fld id="{EB712588-04B1-427B-82EE-E8DB90309F08}" type="datetimeFigureOut">
               <a:rPr lang="en-US" dirty="0"/>
-              <a:t>8/20/2020</a:t>
+              <a:t>8/27/2020</a:t>
             </a:fld>
             <a:endParaRPr lang="en-US" dirty="0"/>
           </a:p>
@@ -3808,7 +3812,7 @@
             <a:fld id="{B61BEF0D-F0BB-DE4B-95CE-6DB70DBA9567}" type="datetimeFigureOut">
               <a:rPr lang="en-US" dirty="0"/>
               <a:pPr/>
-              <a:t>8/20/2020</a:t>
+              <a:t>8/27/2020</a:t>
             </a:fld>
             <a:endParaRPr lang="en-US" dirty="0"/>
           </a:p>
@@ -3928,7 +3932,7 @@
             <a:fld id="{B61BEF0D-F0BB-DE4B-95CE-6DB70DBA9567}" type="datetimeFigureOut">
               <a:rPr lang="en-US" dirty="0"/>
               <a:pPr/>
-              <a:t>8/20/2020</a:t>
+              <a:t>8/27/2020</a:t>
             </a:fld>
             <a:endParaRPr lang="en-US" dirty="0"/>
           </a:p>
@@ -4020,7 +4024,7 @@
             <a:fld id="{B61BEF0D-F0BB-DE4B-95CE-6DB70DBA9567}" type="datetimeFigureOut">
               <a:rPr lang="en-US" dirty="0"/>
               <a:pPr/>
-              <a:t>8/20/2020</a:t>
+              <a:t>8/27/2020</a:t>
             </a:fld>
             <a:endParaRPr lang="en-US" dirty="0"/>
           </a:p>
@@ -4271,7 +4275,7 @@
           <a:p>
             <a:fld id="{42A54C80-263E-416B-A8E0-580EDEADCBDC}" type="datetimeFigureOut">
               <a:rPr lang="en-US" dirty="0"/>
-              <a:t>8/20/2020</a:t>
+              <a:t>8/27/2020</a:t>
             </a:fld>
             <a:endParaRPr lang="en-US" dirty="0"/>
           </a:p>
@@ -4530,7 +4534,7 @@
             <a:fld id="{B61BEF0D-F0BB-DE4B-95CE-6DB70DBA9567}" type="datetimeFigureOut">
               <a:rPr lang="en-US" dirty="0"/>
               <a:pPr/>
-              <a:t>8/20/2020</a:t>
+              <a:t>8/27/2020</a:t>
             </a:fld>
             <a:endParaRPr lang="en-US" dirty="0"/>
           </a:p>
@@ -5270,7 +5274,7 @@
             <a:fld id="{B61BEF0D-F0BB-DE4B-95CE-6DB70DBA9567}" type="datetimeFigureOut">
               <a:rPr lang="en-US" dirty="0"/>
               <a:pPr/>
-              <a:t>8/20/2020</a:t>
+              <a:t>8/27/2020</a:t>
             </a:fld>
             <a:endParaRPr lang="en-US" dirty="0"/>
           </a:p>
@@ -9314,125 +9318,6 @@
     <p:extLst>
       <p:ext uri="{BB962C8B-B14F-4D97-AF65-F5344CB8AC3E}">
         <p14:creationId xmlns:p14="http://schemas.microsoft.com/office/powerpoint/2010/main" val="2078960657"/>
-      </p:ext>
-    </p:extLst>
-  </p:cSld>
-  <p:clrMapOvr>
-    <a:masterClrMapping/>
-  </p:clrMapOvr>
-  <p:timing>
-    <p:tnLst>
-      <p:par>
-        <p:cTn id="1" dur="indefinite" restart="never" nodeType="tmRoot"/>
-      </p:par>
-    </p:tnLst>
-  </p:timing>
-</p:sld>
-</file>
-
-<file path=ppt/slides/slide24.xml><?xml version="1.0" encoding="utf-8"?>
-<p:sld xmlns:a="http://schemas.openxmlformats.org/drawingml/2006/main" xmlns:r="http://schemas.openxmlformats.org/officeDocument/2006/relationships" xmlns:p="http://schemas.openxmlformats.org/presentationml/2006/main">
-  <p:cSld>
-    <p:spTree>
-      <p:nvGrpSpPr>
-        <p:cNvPr id="1" name=""/>
-        <p:cNvGrpSpPr/>
-        <p:nvPr/>
-      </p:nvGrpSpPr>
-      <p:grpSpPr>
-        <a:xfrm>
-          <a:off x="0" y="0"/>
-          <a:ext cx="0" cy="0"/>
-          <a:chOff x="0" y="0"/>
-          <a:chExt cx="0" cy="0"/>
-        </a:xfrm>
-      </p:grpSpPr>
-      <p:sp>
-        <p:nvSpPr>
-          <p:cNvPr id="3" name="Rounded Rectangle 2"/>
-          <p:cNvSpPr/>
-          <p:nvPr/>
-        </p:nvSpPr>
-        <p:spPr>
-          <a:xfrm>
-            <a:off x="155275" y="1314240"/>
-            <a:ext cx="11734800" cy="724619"/>
-          </a:xfrm>
-          <a:prstGeom prst="roundRect">
-            <a:avLst/>
-          </a:prstGeom>
-          <a:ln>
-            <a:solidFill>
-              <a:srgbClr val="002060"/>
-            </a:solidFill>
-          </a:ln>
-        </p:spPr>
-        <p:style>
-          <a:lnRef idx="2">
-            <a:schemeClr val="accent1">
-              <a:shade val="50000"/>
-            </a:schemeClr>
-          </a:lnRef>
-          <a:fillRef idx="1">
-            <a:schemeClr val="accent1"/>
-          </a:fillRef>
-          <a:effectRef idx="0">
-            <a:schemeClr val="accent1"/>
-          </a:effectRef>
-          <a:fontRef idx="minor">
-            <a:schemeClr val="lt1"/>
-          </a:fontRef>
-        </p:style>
-        <p:txBody>
-          <a:bodyPr rtlCol="0" anchor="ctr"/>
-          <a:lstStyle/>
-          <a:p>
-            <a:pPr algn="ctr"/>
-            <a:r>
-              <a:rPr lang="en-US" dirty="0" err="1" smtClean="0"/>
-              <a:t>Microservices</a:t>
-            </a:r>
-            <a:r>
-              <a:rPr lang="en-US" dirty="0" smtClean="0"/>
-              <a:t> Environment Architecture</a:t>
-            </a:r>
-            <a:endParaRPr lang="en-US" dirty="0"/>
-          </a:p>
-        </p:txBody>
-      </p:sp>
-      <p:pic>
-        <p:nvPicPr>
-          <p:cNvPr id="4" name="Picture 3"/>
-          <p:cNvPicPr>
-            <a:picLocks noChangeAspect="1"/>
-          </p:cNvPicPr>
-          <p:nvPr/>
-        </p:nvPicPr>
-        <p:blipFill>
-          <a:blip r:embed="rId2"/>
-          <a:stretch>
-            <a:fillRect/>
-          </a:stretch>
-        </p:blipFill>
-        <p:spPr>
-          <a:xfrm>
-            <a:off x="155275" y="2038859"/>
-            <a:ext cx="11734800" cy="4077843"/>
-          </a:xfrm>
-          <a:prstGeom prst="rect">
-            <a:avLst/>
-          </a:prstGeom>
-          <a:ln>
-            <a:solidFill>
-              <a:srgbClr val="002060"/>
-            </a:solidFill>
-          </a:ln>
-        </p:spPr>
-      </p:pic>
-    </p:spTree>
-    <p:extLst>
-      <p:ext uri="{BB962C8B-B14F-4D97-AF65-F5344CB8AC3E}">
-        <p14:creationId xmlns:p14="http://schemas.microsoft.com/office/powerpoint/2010/main" val="3059808211"/>
       </p:ext>
     </p:extLst>
   </p:cSld>
